--- a/Blog.pptx
+++ b/Blog.pptx
@@ -10,9 +10,10 @@
     <p:sldId id="258" r:id="rId4"/>
     <p:sldId id="259" r:id="rId5"/>
     <p:sldId id="263" r:id="rId6"/>
-    <p:sldId id="260" r:id="rId7"/>
-    <p:sldId id="264" r:id="rId8"/>
-    <p:sldId id="266" r:id="rId9"/>
+    <p:sldId id="267" r:id="rId7"/>
+    <p:sldId id="260" r:id="rId8"/>
+    <p:sldId id="264" r:id="rId9"/>
+    <p:sldId id="266" r:id="rId10"/>
   </p:sldIdLst>
   <p:sldSz cx="12192000" cy="6858000"/>
   <p:notesSz cx="6858000" cy="9144000"/>
@@ -111,7 +112,16 @@
       </a:defRPr>
     </a:lvl9pPr>
   </p:defaultTextStyle>
+  <p:extLst>
+    <p:ext uri="{EFAFB233-063F-42B5-8137-9DF3F51BA10A}">
+      <p15:sldGuideLst xmlns:p15="http://schemas.microsoft.com/office/powerpoint/2012/main"/>
+    </p:ext>
+  </p:extLst>
 </p:presentation>
+</file>
+
+<file path=ppt/revisionInfo.xml><?xml version="1.0" encoding="utf-8"?>
+<p1510:revInfo xmlns:a="http://schemas.openxmlformats.org/drawingml/2006/main" xmlns:r="http://schemas.openxmlformats.org/officeDocument/2006/relationships" xmlns:p1510="http://schemas.microsoft.com/office/powerpoint/2015/10/main"/>
 </file>
 
 <file path=ppt/slideLayouts/slideLayout1.xml><?xml version="1.0" encoding="utf-8"?>
@@ -449,7 +459,7 @@
           <a:p>
             <a:fld id="{6F2D0512-B7A9-4688-8694-5F523AD4C87F}" type="datetimeFigureOut">
               <a:rPr lang="en-US" smtClean="0"/>
-              <a:t>2/28/2018</a:t>
+              <a:t>3/2/2018</a:t>
             </a:fld>
             <a:endParaRPr lang="en-US"/>
           </a:p>
@@ -1537,7 +1547,7 @@
           <a:p>
             <a:fld id="{6F2D0512-B7A9-4688-8694-5F523AD4C87F}" type="datetimeFigureOut">
               <a:rPr lang="en-US" smtClean="0"/>
-              <a:t>2/28/2018</a:t>
+              <a:t>3/2/2018</a:t>
             </a:fld>
             <a:endParaRPr lang="en-US"/>
           </a:p>
@@ -2517,7 +2527,7 @@
           <a:p>
             <a:fld id="{6F2D0512-B7A9-4688-8694-5F523AD4C87F}" type="datetimeFigureOut">
               <a:rPr lang="en-US" smtClean="0"/>
-              <a:t>2/28/2018</a:t>
+              <a:t>3/2/2018</a:t>
             </a:fld>
             <a:endParaRPr lang="en-US"/>
           </a:p>
@@ -3651,7 +3661,7 @@
           <a:p>
             <a:fld id="{6F2D0512-B7A9-4688-8694-5F523AD4C87F}" type="datetimeFigureOut">
               <a:rPr lang="en-US" smtClean="0"/>
-              <a:t>2/28/2018</a:t>
+              <a:t>3/2/2018</a:t>
             </a:fld>
             <a:endParaRPr lang="en-US"/>
           </a:p>
@@ -4684,7 +4694,7 @@
           <a:p>
             <a:fld id="{6F2D0512-B7A9-4688-8694-5F523AD4C87F}" type="datetimeFigureOut">
               <a:rPr lang="en-US" smtClean="0"/>
-              <a:t>2/28/2018</a:t>
+              <a:t>3/2/2018</a:t>
             </a:fld>
             <a:endParaRPr lang="en-US"/>
           </a:p>
@@ -5344,7 +5354,7 @@
           <a:p>
             <a:fld id="{6F2D0512-B7A9-4688-8694-5F523AD4C87F}" type="datetimeFigureOut">
               <a:rPr lang="en-US" smtClean="0"/>
-              <a:t>2/28/2018</a:t>
+              <a:t>3/2/2018</a:t>
             </a:fld>
             <a:endParaRPr lang="en-US"/>
           </a:p>
@@ -6205,7 +6215,7 @@
           <a:p>
             <a:fld id="{6F2D0512-B7A9-4688-8694-5F523AD4C87F}" type="datetimeFigureOut">
               <a:rPr lang="en-US" smtClean="0"/>
-              <a:t>2/28/2018</a:t>
+              <a:t>3/2/2018</a:t>
             </a:fld>
             <a:endParaRPr lang="en-US"/>
           </a:p>
@@ -6395,7 +6405,7 @@
           <a:p>
             <a:fld id="{6F2D0512-B7A9-4688-8694-5F523AD4C87F}" type="datetimeFigureOut">
               <a:rPr lang="en-US" smtClean="0"/>
-              <a:t>2/28/2018</a:t>
+              <a:t>3/2/2018</a:t>
             </a:fld>
             <a:endParaRPr lang="en-US"/>
           </a:p>
@@ -7367,7 +7377,7 @@
           <a:p>
             <a:fld id="{6F2D0512-B7A9-4688-8694-5F523AD4C87F}" type="datetimeFigureOut">
               <a:rPr lang="en-US" smtClean="0"/>
-              <a:t>2/28/2018</a:t>
+              <a:t>3/2/2018</a:t>
             </a:fld>
             <a:endParaRPr lang="en-US"/>
           </a:p>
@@ -7578,7 +7588,7 @@
           <a:p>
             <a:fld id="{6F2D0512-B7A9-4688-8694-5F523AD4C87F}" type="datetimeFigureOut">
               <a:rPr lang="en-US" smtClean="0"/>
-              <a:t>2/28/2018</a:t>
+              <a:t>3/2/2018</a:t>
             </a:fld>
             <a:endParaRPr lang="en-US"/>
           </a:p>
@@ -8612,7 +8622,7 @@
           <a:p>
             <a:fld id="{6F2D0512-B7A9-4688-8694-5F523AD4C87F}" type="datetimeFigureOut">
               <a:rPr lang="en-US" smtClean="0"/>
-              <a:t>2/28/2018</a:t>
+              <a:t>3/2/2018</a:t>
             </a:fld>
             <a:endParaRPr lang="en-US"/>
           </a:p>
@@ -8884,7 +8894,7 @@
           <a:p>
             <a:fld id="{6F2D0512-B7A9-4688-8694-5F523AD4C87F}" type="datetimeFigureOut">
               <a:rPr lang="en-US" smtClean="0"/>
-              <a:t>2/28/2018</a:t>
+              <a:t>3/2/2018</a:t>
             </a:fld>
             <a:endParaRPr lang="en-US"/>
           </a:p>
@@ -9294,7 +9304,7 @@
           <a:p>
             <a:fld id="{6F2D0512-B7A9-4688-8694-5F523AD4C87F}" type="datetimeFigureOut">
               <a:rPr lang="en-US" smtClean="0"/>
-              <a:t>2/28/2018</a:t>
+              <a:t>3/2/2018</a:t>
             </a:fld>
             <a:endParaRPr lang="en-US"/>
           </a:p>
@@ -9421,7 +9431,7 @@
           <a:p>
             <a:fld id="{6F2D0512-B7A9-4688-8694-5F523AD4C87F}" type="datetimeFigureOut">
               <a:rPr lang="en-US" smtClean="0"/>
-              <a:t>2/28/2018</a:t>
+              <a:t>3/2/2018</a:t>
             </a:fld>
             <a:endParaRPr lang="en-US"/>
           </a:p>
@@ -9516,7 +9526,7 @@
           <a:p>
             <a:fld id="{6F2D0512-B7A9-4688-8694-5F523AD4C87F}" type="datetimeFigureOut">
               <a:rPr lang="en-US" smtClean="0"/>
-              <a:t>2/28/2018</a:t>
+              <a:t>3/2/2018</a:t>
             </a:fld>
             <a:endParaRPr lang="en-US"/>
           </a:p>
@@ -10597,7 +10607,7 @@
           <a:p>
             <a:fld id="{6F2D0512-B7A9-4688-8694-5F523AD4C87F}" type="datetimeFigureOut">
               <a:rPr lang="en-US" smtClean="0"/>
-              <a:t>2/28/2018</a:t>
+              <a:t>3/2/2018</a:t>
             </a:fld>
             <a:endParaRPr lang="en-US"/>
           </a:p>
@@ -11705,7 +11715,7 @@
           <a:p>
             <a:fld id="{6F2D0512-B7A9-4688-8694-5F523AD4C87F}" type="datetimeFigureOut">
               <a:rPr lang="en-US" smtClean="0"/>
-              <a:t>2/28/2018</a:t>
+              <a:t>3/2/2018</a:t>
             </a:fld>
             <a:endParaRPr lang="en-US"/>
           </a:p>
@@ -12702,7 +12712,7 @@
           <a:p>
             <a:fld id="{6F2D0512-B7A9-4688-8694-5F523AD4C87F}" type="datetimeFigureOut">
               <a:rPr lang="en-US" smtClean="0"/>
-              <a:t>2/28/2018</a:t>
+              <a:t>3/2/2018</a:t>
             </a:fld>
             <a:endParaRPr lang="en-US"/>
           </a:p>
@@ -13537,20 +13547,14 @@
         </p:nvSpPr>
         <p:spPr/>
         <p:txBody>
-          <a:bodyPr/>
+          <a:bodyPr>
+            <a:normAutofit lnSpcReduction="10000"/>
+          </a:bodyPr>
           <a:lstStyle/>
           <a:p>
             <a:r>
               <a:rPr lang="en-US" dirty="0"/>
-              <a:t>We already knew basics of </a:t>
-            </a:r>
-            <a:r>
-              <a:rPr lang="en-US" dirty="0" err="1"/>
-              <a:t>Javascript</a:t>
-            </a:r>
-            <a:r>
-              <a:rPr lang="en-US" dirty="0"/>
-              <a:t> and we wanted to explore more</a:t>
+              <a:t>We already knew basics of JavaScript and we wanted to explore more</a:t>
             </a:r>
           </a:p>
           <a:p>
@@ -13582,21 +13586,13 @@
           <a:p>
             <a:r>
               <a:rPr lang="en-US" dirty="0"/>
-              <a:t>Angular2 is easy and is designed for mobile first.  </a:t>
+              <a:t>Angular2 provides a framework and its easy to design application both Desktop and Mobile.  </a:t>
             </a:r>
           </a:p>
           <a:p>
             <a:r>
               <a:rPr lang="en-US" dirty="0"/>
-              <a:t>Node.js is scalable and since its basically </a:t>
-            </a:r>
-            <a:r>
-              <a:rPr lang="en-US" dirty="0" err="1"/>
-              <a:t>Javascript</a:t>
-            </a:r>
-            <a:r>
-              <a:rPr lang="en-US" dirty="0"/>
-              <a:t> which we are already comfortable using that for backend.</a:t>
+              <a:t>Node.js is scalable and since its basically JavaScript, we are already comfortable using that for backend.</a:t>
             </a:r>
           </a:p>
         </p:txBody>
@@ -13764,10 +13760,10 @@
       </p:grpSpPr>
       <p:sp>
         <p:nvSpPr>
-          <p:cNvPr id="2" name="Title 1">
+          <p:cNvPr id="7" name="Title 6">
             <a:extLst>
               <a:ext uri="{FF2B5EF4-FFF2-40B4-BE49-F238E27FC236}">
-                <a16:creationId xmlns:a16="http://schemas.microsoft.com/office/drawing/2014/main" id="{10688EEB-C8A0-413E-BCC5-897C543CB5BB}"/>
+                <a16:creationId xmlns:a16="http://schemas.microsoft.com/office/drawing/2014/main" id="{C79EF77E-C65B-4284-8EFA-56E7BB60AE7A}"/>
               </a:ext>
             </a:extLst>
           </p:cNvPr>
@@ -13783,16 +13779,19 @@
           <a:bodyPr/>
           <a:lstStyle/>
           <a:p>
-            <a:endParaRPr lang="en-US"/>
+            <a:r>
+              <a:rPr lang="en-US" dirty="0"/>
+              <a:t>User Registration</a:t>
+            </a:r>
           </a:p>
         </p:txBody>
       </p:sp>
       <p:sp>
         <p:nvSpPr>
-          <p:cNvPr id="3" name="Content Placeholder 2">
+          <p:cNvPr id="21" name="Content Placeholder 20">
             <a:extLst>
               <a:ext uri="{FF2B5EF4-FFF2-40B4-BE49-F238E27FC236}">
-                <a16:creationId xmlns:a16="http://schemas.microsoft.com/office/drawing/2014/main" id="{5CF41C0D-A183-460A-AC33-DEC7320B8004}"/>
+                <a16:creationId xmlns:a16="http://schemas.microsoft.com/office/drawing/2014/main" id="{5932EF45-400F-4977-9C53-F7A2B07994DB}"/>
               </a:ext>
             </a:extLst>
           </p:cNvPr>
@@ -13808,35 +13807,40 @@
           <a:bodyPr/>
           <a:lstStyle/>
           <a:p>
-            <a:endParaRPr lang="en-US" dirty="0"/>
+            <a:endParaRPr lang="en-US"/>
           </a:p>
         </p:txBody>
       </p:sp>
-      <p:sp>
-        <p:nvSpPr>
-          <p:cNvPr id="4" name="Text Placeholder 3">
+      <p:pic>
+        <p:nvPicPr>
+          <p:cNvPr id="22" name="Picture 21">
             <a:extLst>
               <a:ext uri="{FF2B5EF4-FFF2-40B4-BE49-F238E27FC236}">
-                <a16:creationId xmlns:a16="http://schemas.microsoft.com/office/drawing/2014/main" id="{9855A1C7-1BF5-45DD-8D40-E61FF6C6F37D}"/>
+                <a16:creationId xmlns:a16="http://schemas.microsoft.com/office/drawing/2014/main" id="{E41F2CE5-8CBE-4D5C-9A1A-6EB08FFA3830}"/>
               </a:ext>
             </a:extLst>
           </p:cNvPr>
-          <p:cNvSpPr>
-            <a:spLocks noGrp="1"/>
-          </p:cNvSpPr>
-          <p:nvPr>
-            <p:ph type="body" sz="half" idx="2"/>
-          </p:nvPr>
-        </p:nvSpPr>
-        <p:spPr/>
-        <p:txBody>
-          <a:bodyPr/>
-          <a:lstStyle/>
-          <a:p>
-            <a:endParaRPr lang="en-US"/>
-          </a:p>
-        </p:txBody>
-      </p:sp>
+          <p:cNvPicPr>
+            <a:picLocks noChangeAspect="1"/>
+          </p:cNvPicPr>
+          <p:nvPr/>
+        </p:nvPicPr>
+        <p:blipFill>
+          <a:blip r:embed="rId2"/>
+          <a:stretch>
+            <a:fillRect/>
+          </a:stretch>
+        </p:blipFill>
+        <p:spPr>
+          <a:xfrm>
+            <a:off x="1154954" y="2149312"/>
+            <a:ext cx="9873252" cy="4495137"/>
+          </a:xfrm>
+          <a:prstGeom prst="rect">
+            <a:avLst/>
+          </a:prstGeom>
+        </p:spPr>
+      </p:pic>
     </p:spTree>
     <p:extLst>
       <p:ext uri="{BB962C8B-B14F-4D97-AF65-F5344CB8AC3E}">
@@ -13851,6 +13855,96 @@
 </file>
 
 <file path=ppt/slides/slide6.xml><?xml version="1.0" encoding="utf-8"?>
+<p:sld xmlns:a="http://schemas.openxmlformats.org/drawingml/2006/main" xmlns:r="http://schemas.openxmlformats.org/officeDocument/2006/relationships" xmlns:p="http://schemas.openxmlformats.org/presentationml/2006/main">
+  <p:cSld>
+    <p:spTree>
+      <p:nvGrpSpPr>
+        <p:cNvPr id="1" name=""/>
+        <p:cNvGrpSpPr/>
+        <p:nvPr/>
+      </p:nvGrpSpPr>
+      <p:grpSpPr>
+        <a:xfrm>
+          <a:off x="0" y="0"/>
+          <a:ext cx="0" cy="0"/>
+          <a:chOff x="0" y="0"/>
+          <a:chExt cx="0" cy="0"/>
+        </a:xfrm>
+      </p:grpSpPr>
+      <p:sp>
+        <p:nvSpPr>
+          <p:cNvPr id="5" name="Title 4">
+            <a:extLst>
+              <a:ext uri="{FF2B5EF4-FFF2-40B4-BE49-F238E27FC236}">
+                <a16:creationId xmlns:a16="http://schemas.microsoft.com/office/drawing/2014/main" id="{AA0EE938-4ED6-49EB-86B7-8AC90B257F99}"/>
+              </a:ext>
+            </a:extLst>
+          </p:cNvPr>
+          <p:cNvSpPr>
+            <a:spLocks noGrp="1"/>
+          </p:cNvSpPr>
+          <p:nvPr>
+            <p:ph type="title"/>
+          </p:nvPr>
+        </p:nvSpPr>
+        <p:spPr/>
+        <p:txBody>
+          <a:bodyPr/>
+          <a:lstStyle/>
+          <a:p>
+            <a:r>
+              <a:rPr lang="en-US" dirty="0"/>
+              <a:t>User Registration</a:t>
+            </a:r>
+          </a:p>
+        </p:txBody>
+      </p:sp>
+      <p:pic>
+        <p:nvPicPr>
+          <p:cNvPr id="7" name="Content Placeholder 11">
+            <a:extLst>
+              <a:ext uri="{FF2B5EF4-FFF2-40B4-BE49-F238E27FC236}">
+                <a16:creationId xmlns:a16="http://schemas.microsoft.com/office/drawing/2014/main" id="{071A23B2-5A80-4376-A8BC-6B49E065BC31}"/>
+              </a:ext>
+            </a:extLst>
+          </p:cNvPr>
+          <p:cNvPicPr>
+            <a:picLocks noGrp="1" noChangeAspect="1"/>
+          </p:cNvPicPr>
+          <p:nvPr>
+            <p:ph idx="1"/>
+          </p:nvPr>
+        </p:nvPicPr>
+        <p:blipFill>
+          <a:blip r:embed="rId2"/>
+          <a:stretch>
+            <a:fillRect/>
+          </a:stretch>
+        </p:blipFill>
+        <p:spPr>
+          <a:xfrm>
+            <a:off x="367106" y="2036190"/>
+            <a:ext cx="10567987" cy="3934476"/>
+          </a:xfrm>
+          <a:prstGeom prst="rect">
+            <a:avLst/>
+          </a:prstGeom>
+        </p:spPr>
+      </p:pic>
+    </p:spTree>
+    <p:extLst>
+      <p:ext uri="{BB962C8B-B14F-4D97-AF65-F5344CB8AC3E}">
+        <p14:creationId xmlns:p14="http://schemas.microsoft.com/office/powerpoint/2010/main" val="2408861441"/>
+      </p:ext>
+    </p:extLst>
+  </p:cSld>
+  <p:clrMapOvr>
+    <a:masterClrMapping/>
+  </p:clrMapOvr>
+</p:sld>
+</file>
+
+<file path=ppt/slides/slide7.xml><?xml version="1.0" encoding="utf-8"?>
 <p:sld xmlns:a="http://schemas.openxmlformats.org/drawingml/2006/main" xmlns:r="http://schemas.openxmlformats.org/officeDocument/2006/relationships" xmlns:p="http://schemas.openxmlformats.org/presentationml/2006/main">
   <p:cSld>
     <p:spTree>
@@ -13974,7 +14068,7 @@
 </p:sld>
 </file>
 
-<file path=ppt/slides/slide7.xml><?xml version="1.0" encoding="utf-8"?>
+<file path=ppt/slides/slide8.xml><?xml version="1.0" encoding="utf-8"?>
 <p:sld xmlns:a="http://schemas.openxmlformats.org/drawingml/2006/main" xmlns:r="http://schemas.openxmlformats.org/officeDocument/2006/relationships" xmlns:p="http://schemas.openxmlformats.org/presentationml/2006/main">
   <p:cSld>
     <p:spTree>
@@ -14062,7 +14156,7 @@
 </p:sld>
 </file>
 
-<file path=ppt/slides/slide8.xml><?xml version="1.0" encoding="utf-8"?>
+<file path=ppt/slides/slide9.xml><?xml version="1.0" encoding="utf-8"?>
 <p:sld xmlns:a="http://schemas.openxmlformats.org/drawingml/2006/main" xmlns:r="http://schemas.openxmlformats.org/officeDocument/2006/relationships" xmlns:p="http://schemas.openxmlformats.org/presentationml/2006/main">
   <p:cSld>
     <p:spTree>
